--- a/Trade.pptx
+++ b/Trade.pptx
@@ -273,7 +273,7 @@
           <a:p>
             <a:fld id="{DC926E32-AB4B-4809-852E-FB5154AAF468}" type="datetimeFigureOut">
               <a:rPr lang="en-US" smtClean="0"/>
-              <a:t>5/9/2022</a:t>
+              <a:t>7/6/2022</a:t>
             </a:fld>
             <a:endParaRPr lang="en-US"/>
           </a:p>
@@ -443,7 +443,7 @@
           <a:p>
             <a:fld id="{DC926E32-AB4B-4809-852E-FB5154AAF468}" type="datetimeFigureOut">
               <a:rPr lang="en-US" smtClean="0"/>
-              <a:t>5/9/2022</a:t>
+              <a:t>7/6/2022</a:t>
             </a:fld>
             <a:endParaRPr lang="en-US"/>
           </a:p>
@@ -623,7 +623,7 @@
           <a:p>
             <a:fld id="{DC926E32-AB4B-4809-852E-FB5154AAF468}" type="datetimeFigureOut">
               <a:rPr lang="en-US" smtClean="0"/>
-              <a:t>5/9/2022</a:t>
+              <a:t>7/6/2022</a:t>
             </a:fld>
             <a:endParaRPr lang="en-US"/>
           </a:p>
@@ -793,7 +793,7 @@
           <a:p>
             <a:fld id="{DC926E32-AB4B-4809-852E-FB5154AAF468}" type="datetimeFigureOut">
               <a:rPr lang="en-US" smtClean="0"/>
-              <a:t>5/9/2022</a:t>
+              <a:t>7/6/2022</a:t>
             </a:fld>
             <a:endParaRPr lang="en-US"/>
           </a:p>
@@ -1039,7 +1039,7 @@
           <a:p>
             <a:fld id="{DC926E32-AB4B-4809-852E-FB5154AAF468}" type="datetimeFigureOut">
               <a:rPr lang="en-US" smtClean="0"/>
-              <a:t>5/9/2022</a:t>
+              <a:t>7/6/2022</a:t>
             </a:fld>
             <a:endParaRPr lang="en-US"/>
           </a:p>
@@ -1271,7 +1271,7 @@
           <a:p>
             <a:fld id="{DC926E32-AB4B-4809-852E-FB5154AAF468}" type="datetimeFigureOut">
               <a:rPr lang="en-US" smtClean="0"/>
-              <a:t>5/9/2022</a:t>
+              <a:t>7/6/2022</a:t>
             </a:fld>
             <a:endParaRPr lang="en-US"/>
           </a:p>
@@ -1638,7 +1638,7 @@
           <a:p>
             <a:fld id="{DC926E32-AB4B-4809-852E-FB5154AAF468}" type="datetimeFigureOut">
               <a:rPr lang="en-US" smtClean="0"/>
-              <a:t>5/9/2022</a:t>
+              <a:t>7/6/2022</a:t>
             </a:fld>
             <a:endParaRPr lang="en-US"/>
           </a:p>
@@ -1756,7 +1756,7 @@
           <a:p>
             <a:fld id="{DC926E32-AB4B-4809-852E-FB5154AAF468}" type="datetimeFigureOut">
               <a:rPr lang="en-US" smtClean="0"/>
-              <a:t>5/9/2022</a:t>
+              <a:t>7/6/2022</a:t>
             </a:fld>
             <a:endParaRPr lang="en-US"/>
           </a:p>
@@ -1851,7 +1851,7 @@
           <a:p>
             <a:fld id="{DC926E32-AB4B-4809-852E-FB5154AAF468}" type="datetimeFigureOut">
               <a:rPr lang="en-US" smtClean="0"/>
-              <a:t>5/9/2022</a:t>
+              <a:t>7/6/2022</a:t>
             </a:fld>
             <a:endParaRPr lang="en-US"/>
           </a:p>
@@ -2128,7 +2128,7 @@
           <a:p>
             <a:fld id="{DC926E32-AB4B-4809-852E-FB5154AAF468}" type="datetimeFigureOut">
               <a:rPr lang="en-US" smtClean="0"/>
-              <a:t>5/9/2022</a:t>
+              <a:t>7/6/2022</a:t>
             </a:fld>
             <a:endParaRPr lang="en-US"/>
           </a:p>
@@ -2381,7 +2381,7 @@
           <a:p>
             <a:fld id="{DC926E32-AB4B-4809-852E-FB5154AAF468}" type="datetimeFigureOut">
               <a:rPr lang="en-US" smtClean="0"/>
-              <a:t>5/9/2022</a:t>
+              <a:t>7/6/2022</a:t>
             </a:fld>
             <a:endParaRPr lang="en-US"/>
           </a:p>
@@ -2594,7 +2594,7 @@
           <a:p>
             <a:fld id="{DC926E32-AB4B-4809-852E-FB5154AAF468}" type="datetimeFigureOut">
               <a:rPr lang="en-US" smtClean="0"/>
-              <a:t>5/9/2022</a:t>
+              <a:t>7/6/2022</a:t>
             </a:fld>
             <a:endParaRPr lang="en-US"/>
           </a:p>
@@ -5410,12 +5410,12 @@
               <a:t>The stock market is a good place for savings and investment for the future. It provides a good steady returns on investments over a long period of time and can also </a:t>
             </a:r>
             <a:r>
-              <a:rPr lang="en-US" sz="2400" dirty="0" err="1" smtClean="0"/>
-              <a:t>gorw</a:t>
-            </a:r>
-            <a:r>
               <a:rPr lang="en-US" sz="2400" dirty="0" smtClean="0"/>
-              <a:t> a lot more than expected</a:t>
+              <a:t>grow </a:t>
+            </a:r>
+            <a:r>
+              <a:rPr lang="en-US" sz="2400" dirty="0" smtClean="0"/>
+              <a:t>a lot more than expected</a:t>
             </a:r>
           </a:p>
           <a:p>
@@ -5439,7 +5439,15 @@
             </a:r>
             <a:r>
               <a:rPr lang="en-US" sz="2400" dirty="0" smtClean="0"/>
-              <a:t>otential losses when a company one invested in is not doing well is a real risk. It’s therefore important to maintain a diversified portfolio in stock to temper losses and maximize earning at any given time</a:t>
+              <a:t>otential losses when a company one invested in is not doing well is a real risk. It’s therefore important to maintain a diversified portfolio in stock to temper losses and maximize </a:t>
+            </a:r>
+            <a:r>
+              <a:rPr lang="en-US" sz="2400" dirty="0" smtClean="0"/>
+              <a:t>earnings </a:t>
+            </a:r>
+            <a:r>
+              <a:rPr lang="en-US" sz="2400" dirty="0" smtClean="0"/>
+              <a:t>at any given time</a:t>
             </a:r>
           </a:p>
           <a:p>
@@ -5449,8 +5457,21 @@
             </a:pPr>
             <a:r>
               <a:rPr lang="en-US" sz="2400" dirty="0" smtClean="0"/>
-              <a:t>However,  analyzing the performance of  multitude companies to determine  the worth of their stock can be tedious and time consuming</a:t>
-            </a:r>
+              <a:t>However,  analyzing the performance </a:t>
+            </a:r>
+            <a:r>
+              <a:rPr lang="en-US" sz="2400" dirty="0" smtClean="0"/>
+              <a:t>of a multitude of companies </a:t>
+            </a:r>
+            <a:r>
+              <a:rPr lang="en-US" sz="2400" dirty="0" smtClean="0"/>
+              <a:t>to determine  the worth of their stock can be tedious and </a:t>
+            </a:r>
+            <a:r>
+              <a:rPr lang="en-US" sz="2400" dirty="0" smtClean="0"/>
+              <a:t>time-consuming</a:t>
+            </a:r>
+            <a:endParaRPr lang="en-US" sz="2400" dirty="0" smtClean="0"/>
           </a:p>
           <a:p>
             <a:pPr>
@@ -5469,7 +5490,15 @@
             </a:pPr>
             <a:r>
               <a:rPr lang="en-US" sz="2400" dirty="0" smtClean="0"/>
-              <a:t>This will help investor better analyze stocks across different markets and hedge against risks that could occasion losses to their portfolio</a:t>
+              <a:t>This will help </a:t>
+            </a:r>
+            <a:r>
+              <a:rPr lang="en-US" sz="2400" dirty="0" smtClean="0"/>
+              <a:t>investors </a:t>
+            </a:r>
+            <a:r>
+              <a:rPr lang="en-US" sz="2400" dirty="0" smtClean="0"/>
+              <a:t>better analyze stocks across different markets and hedge against risks that could occasion losses to their portfolio</a:t>
             </a:r>
           </a:p>
           <a:p>
@@ -5644,7 +5673,11 @@
             </a:r>
             <a:r>
               <a:rPr lang="en-US" sz="2000" dirty="0" smtClean="0"/>
-              <a:t> and object</a:t>
+              <a:t>, </a:t>
+            </a:r>
+            <a:r>
+              <a:rPr lang="en-US" sz="2000" dirty="0" smtClean="0"/>
+              <a:t>and object</a:t>
             </a:r>
           </a:p>
           <a:p>
